--- a/ServerSetting.pptx
+++ b/ServerSetting.pptx
@@ -277,7 +277,7 @@
       </p15:sldGuideLst>
     </p:ext>
     <p:ext uri="http://customooxmlschemas.google.com/">
-      <go:slidesCustomData xmlns:go="http://customooxmlschemas.google.com/" xmlns:p15="http://schemas.microsoft.com/office/powerpoint/2012/main" xmlns:p14="http://schemas.microsoft.com/office/powerpoint/2010/main" xmlns:com="http://schemas.openxmlformats.org/drawingml/2006/compatibility" xmlns:pvml="urn:schemas-microsoft-com:office:powerpoint" xmlns:v="urn:schemas-microsoft-com:vml" xmlns:o="urn:schemas-microsoft-com:office:office" xmlns:dgm="http://schemas.openxmlformats.org/drawingml/2006/diagram" xmlns:c="http://schemas.openxmlformats.org/drawingml/2006/chart" xmlns:mv="urn:schemas-microsoft-com:mac:vml" xmlns:mc="http://schemas.openxmlformats.org/markup-compatibility/2006" xmlns="" r:id="rId28" roundtripDataSignature="AMtx7mi2BQB0Zr59ntUlFGUbO0bHBl9V8w=="/>
+      <go:slidesCustomData xmlns="" xmlns:mc="http://schemas.openxmlformats.org/markup-compatibility/2006" xmlns:mv="urn:schemas-microsoft-com:mac:vml" xmlns:c="http://schemas.openxmlformats.org/drawingml/2006/chart" xmlns:dgm="http://schemas.openxmlformats.org/drawingml/2006/diagram" xmlns:o="urn:schemas-microsoft-com:office:office" xmlns:v="urn:schemas-microsoft-com:vml" xmlns:pvml="urn:schemas-microsoft-com:office:powerpoint" xmlns:com="http://schemas.openxmlformats.org/drawingml/2006/compatibility" xmlns:p14="http://schemas.microsoft.com/office/powerpoint/2010/main" xmlns:p15="http://schemas.microsoft.com/office/powerpoint/2012/main" xmlns:go="http://customooxmlschemas.google.com/" r:id="rId28" roundtripDataSignature="AMtx7mi2BQB0Zr59ntUlFGUbO0bHBl9V8w=="/>
     </p:ext>
   </p:extLst>
 </p:presentation>
@@ -32619,7 +32619,7 @@
               <a:buChar char="-"/>
             </a:pPr>
             <a:r>
-              <a:rPr lang="en-US" sz="1600">
+              <a:rPr lang="en-US" sz="1600" dirty="0" err="1">
                 <a:solidFill>
                   <a:schemeClr val="lt1"/>
                 </a:solidFill>
@@ -32628,9 +32628,33 @@
                 <a:cs typeface="Arial"/>
                 <a:sym typeface="Arial"/>
               </a:rPr>
-              <a:t>옵션 설정</a:t>
-            </a:r>
-            <a:endParaRPr sz="1600">
+              <a:t>옵션</a:t>
+            </a:r>
+            <a:r>
+              <a:rPr lang="en-US" sz="1600" dirty="0">
+                <a:solidFill>
+                  <a:schemeClr val="lt1"/>
+                </a:solidFill>
+                <a:latin typeface="Arial"/>
+                <a:ea typeface="Arial"/>
+                <a:cs typeface="Arial"/>
+                <a:sym typeface="Arial"/>
+              </a:rPr>
+              <a:t> </a:t>
+            </a:r>
+            <a:r>
+              <a:rPr lang="en-US" sz="1600" dirty="0" err="1">
+                <a:solidFill>
+                  <a:schemeClr val="lt1"/>
+                </a:solidFill>
+                <a:latin typeface="Arial"/>
+                <a:ea typeface="Arial"/>
+                <a:cs typeface="Arial"/>
+                <a:sym typeface="Arial"/>
+              </a:rPr>
+              <a:t>설정</a:t>
+            </a:r>
+            <a:endParaRPr sz="1600" dirty="0">
               <a:solidFill>
                 <a:schemeClr val="lt1"/>
               </a:solidFill>
@@ -32655,7 +32679,7 @@
               <a:buFont typeface="Twentieth Century"/>
               <a:buNone/>
             </a:pPr>
-            <a:endParaRPr sz="1600">
+            <a:endParaRPr sz="1600" dirty="0">
               <a:solidFill>
                 <a:schemeClr val="lt1"/>
               </a:solidFill>
@@ -32676,7 +32700,7 @@
               <a:buNone/>
             </a:pPr>
             <a:r>
-              <a:rPr lang="en-US" sz="1600">
+              <a:rPr lang="en-US" sz="1600" dirty="0">
                 <a:solidFill>
                   <a:schemeClr val="lt1"/>
                 </a:solidFill>
@@ -32687,7 +32711,7 @@
               </a:rPr>
               <a:t>    1) AMI	                               : Ubuntu 14.04.4</a:t>
             </a:r>
-            <a:endParaRPr/>
+            <a:endParaRPr dirty="0"/>
           </a:p>
           <a:p>
             <a:pPr marL="0" marR="0" lvl="0" indent="0" algn="l" rtl="0">
@@ -32699,7 +32723,7 @@
               </a:spcAft>
               <a:buNone/>
             </a:pPr>
-            <a:endParaRPr sz="1600">
+            <a:endParaRPr sz="1600" dirty="0">
               <a:solidFill>
                 <a:schemeClr val="lt1"/>
               </a:solidFill>
@@ -32720,7 +32744,7 @@
               <a:buNone/>
             </a:pPr>
             <a:r>
-              <a:rPr lang="en-US" sz="1600">
+              <a:rPr lang="en-US" sz="1600" dirty="0">
                 <a:solidFill>
                   <a:schemeClr val="lt1"/>
                 </a:solidFill>
@@ -32731,7 +32755,7 @@
               </a:rPr>
               <a:t>   2) Instance Type	             : t2.micro (Free tier eligible, vCPU : 1, Memory : 1 GB)</a:t>
             </a:r>
-            <a:endParaRPr/>
+            <a:endParaRPr dirty="0"/>
           </a:p>
           <a:p>
             <a:pPr marL="0" marR="0" lvl="0" indent="0" algn="l" rtl="0">
@@ -32743,7 +32767,7 @@
               </a:spcAft>
               <a:buNone/>
             </a:pPr>
-            <a:endParaRPr sz="1600">
+            <a:endParaRPr sz="1600" dirty="0">
               <a:solidFill>
                 <a:schemeClr val="lt1"/>
               </a:solidFill>
@@ -32764,7 +32788,7 @@
               <a:buNone/>
             </a:pPr>
             <a:r>
-              <a:rPr lang="en-US" sz="1600">
+              <a:rPr lang="en-US" sz="1600" dirty="0">
                 <a:solidFill>
                   <a:schemeClr val="lt1"/>
                 </a:solidFill>
@@ -32773,9 +32797,57 @@
                 <a:cs typeface="Arial"/>
                 <a:sym typeface="Arial"/>
               </a:rPr>
-              <a:t>   3) Configuration Instance  : 기정값으로 둔다	</a:t>
-            </a:r>
-            <a:endParaRPr/>
+              <a:t>   3) Configuration Instance  : </a:t>
+            </a:r>
+            <a:r>
+              <a:rPr lang="en-US" sz="1600" dirty="0" err="1">
+                <a:solidFill>
+                  <a:schemeClr val="lt1"/>
+                </a:solidFill>
+                <a:latin typeface="Arial"/>
+                <a:ea typeface="Arial"/>
+                <a:cs typeface="Arial"/>
+                <a:sym typeface="Arial"/>
+              </a:rPr>
+              <a:t>기정값으로</a:t>
+            </a:r>
+            <a:r>
+              <a:rPr lang="en-US" sz="1600" dirty="0">
+                <a:solidFill>
+                  <a:schemeClr val="lt1"/>
+                </a:solidFill>
+                <a:latin typeface="Arial"/>
+                <a:ea typeface="Arial"/>
+                <a:cs typeface="Arial"/>
+                <a:sym typeface="Arial"/>
+              </a:rPr>
+              <a:t> </a:t>
+            </a:r>
+            <a:r>
+              <a:rPr lang="en-US" sz="1600" dirty="0" err="1">
+                <a:solidFill>
+                  <a:schemeClr val="lt1"/>
+                </a:solidFill>
+                <a:latin typeface="Arial"/>
+                <a:ea typeface="Arial"/>
+                <a:cs typeface="Arial"/>
+                <a:sym typeface="Arial"/>
+              </a:rPr>
+              <a:t>둔다</a:t>
+            </a:r>
+            <a:r>
+              <a:rPr lang="en-US" sz="1600" dirty="0">
+                <a:solidFill>
+                  <a:schemeClr val="lt1"/>
+                </a:solidFill>
+                <a:latin typeface="Arial"/>
+                <a:ea typeface="Arial"/>
+                <a:cs typeface="Arial"/>
+                <a:sym typeface="Arial"/>
+              </a:rPr>
+              <a:t>	</a:t>
+            </a:r>
+            <a:endParaRPr dirty="0"/>
           </a:p>
           <a:p>
             <a:pPr marL="0" marR="0" lvl="0" indent="0" algn="l" rtl="0">
@@ -32787,7 +32859,7 @@
               </a:spcAft>
               <a:buNone/>
             </a:pPr>
-            <a:endParaRPr sz="1600">
+            <a:endParaRPr sz="1600" dirty="0">
               <a:solidFill>
                 <a:schemeClr val="lt1"/>
               </a:solidFill>
@@ -32808,7 +32880,7 @@
               <a:buNone/>
             </a:pPr>
             <a:r>
-              <a:rPr lang="en-US" sz="1600">
+              <a:rPr lang="en-US" sz="1600" dirty="0">
                 <a:solidFill>
                   <a:schemeClr val="lt1"/>
                 </a:solidFill>
@@ -32817,9 +32889,117 @@
                 <a:cs typeface="Arial"/>
                 <a:sym typeface="Arial"/>
               </a:rPr>
-              <a:t>   4) Add Stroage                    :  필요한 저장소 크기를 설정한다</a:t>
-            </a:r>
-            <a:endParaRPr sz="1600">
+              <a:t>   4) Add </a:t>
+            </a:r>
+            <a:r>
+              <a:rPr lang="en-US" sz="1600" dirty="0" err="1">
+                <a:solidFill>
+                  <a:schemeClr val="lt1"/>
+                </a:solidFill>
+                <a:latin typeface="Arial"/>
+                <a:ea typeface="Arial"/>
+                <a:cs typeface="Arial"/>
+                <a:sym typeface="Arial"/>
+              </a:rPr>
+              <a:t>Stroage</a:t>
+            </a:r>
+            <a:r>
+              <a:rPr lang="en-US" sz="1600" dirty="0">
+                <a:solidFill>
+                  <a:schemeClr val="lt1"/>
+                </a:solidFill>
+                <a:latin typeface="Arial"/>
+                <a:ea typeface="Arial"/>
+                <a:cs typeface="Arial"/>
+                <a:sym typeface="Arial"/>
+              </a:rPr>
+              <a:t>                    :  </a:t>
+            </a:r>
+            <a:r>
+              <a:rPr lang="en-US" sz="1600" dirty="0" err="1">
+                <a:solidFill>
+                  <a:schemeClr val="lt1"/>
+                </a:solidFill>
+                <a:latin typeface="Arial"/>
+                <a:ea typeface="Arial"/>
+                <a:cs typeface="Arial"/>
+                <a:sym typeface="Arial"/>
+              </a:rPr>
+              <a:t>필요한</a:t>
+            </a:r>
+            <a:r>
+              <a:rPr lang="en-US" sz="1600" dirty="0">
+                <a:solidFill>
+                  <a:schemeClr val="lt1"/>
+                </a:solidFill>
+                <a:latin typeface="Arial"/>
+                <a:ea typeface="Arial"/>
+                <a:cs typeface="Arial"/>
+                <a:sym typeface="Arial"/>
+              </a:rPr>
+              <a:t> </a:t>
+            </a:r>
+            <a:r>
+              <a:rPr lang="en-US" sz="1600" dirty="0" err="1">
+                <a:solidFill>
+                  <a:schemeClr val="lt1"/>
+                </a:solidFill>
+                <a:latin typeface="Arial"/>
+                <a:ea typeface="Arial"/>
+                <a:cs typeface="Arial"/>
+                <a:sym typeface="Arial"/>
+              </a:rPr>
+              <a:t>저장소</a:t>
+            </a:r>
+            <a:r>
+              <a:rPr lang="en-US" sz="1600" dirty="0">
+                <a:solidFill>
+                  <a:schemeClr val="lt1"/>
+                </a:solidFill>
+                <a:latin typeface="Arial"/>
+                <a:ea typeface="Arial"/>
+                <a:cs typeface="Arial"/>
+                <a:sym typeface="Arial"/>
+              </a:rPr>
+              <a:t> </a:t>
+            </a:r>
+            <a:r>
+              <a:rPr lang="en-US" sz="1600" dirty="0" err="1">
+                <a:solidFill>
+                  <a:schemeClr val="lt1"/>
+                </a:solidFill>
+                <a:latin typeface="Arial"/>
+                <a:ea typeface="Arial"/>
+                <a:cs typeface="Arial"/>
+                <a:sym typeface="Arial"/>
+              </a:rPr>
+              <a:t>크기를</a:t>
+            </a:r>
+            <a:r>
+              <a:rPr lang="en-US" sz="1600" dirty="0">
+                <a:solidFill>
+                  <a:schemeClr val="lt1"/>
+                </a:solidFill>
+                <a:latin typeface="Arial"/>
+                <a:ea typeface="Arial"/>
+                <a:cs typeface="Arial"/>
+                <a:sym typeface="Arial"/>
+              </a:rPr>
+              <a:t> </a:t>
+            </a:r>
+            <a:r>
+              <a:rPr lang="en-US" sz="1600" dirty="0" err="1">
+                <a:solidFill>
+                  <a:schemeClr val="lt1"/>
+                </a:solidFill>
+                <a:latin typeface="Arial"/>
+                <a:ea typeface="Arial"/>
+                <a:cs typeface="Arial"/>
+                <a:sym typeface="Arial"/>
+              </a:rPr>
+              <a:t>설정한다</a:t>
+            </a:r>
+            <a:endParaRPr sz="1600" dirty="0">
               <a:solidFill>
                 <a:schemeClr val="lt1"/>
               </a:solidFill>
@@ -32839,7 +33019,7 @@
               </a:spcAft>
               <a:buNone/>
             </a:pPr>
-            <a:endParaRPr sz="1600">
+            <a:endParaRPr sz="1600" dirty="0">
               <a:solidFill>
                 <a:schemeClr val="lt1"/>
               </a:solidFill>
@@ -32860,7 +33040,7 @@
               <a:buNone/>
             </a:pPr>
             <a:r>
-              <a:rPr lang="en-US" sz="1600">
+              <a:rPr lang="en-US" sz="1600" dirty="0">
                 <a:solidFill>
                   <a:schemeClr val="lt1"/>
                 </a:solidFill>
@@ -32869,9 +33049,81 @@
                 <a:cs typeface="Arial"/>
                 <a:sym typeface="Arial"/>
               </a:rPr>
-              <a:t>   5) Tag Instance                    : Instance Tag이름을 입력 (WonBridge)</a:t>
-            </a:r>
-            <a:endParaRPr/>
+              <a:t>   5) Tag Instance                    : Instance </a:t>
+            </a:r>
+            <a:r>
+              <a:rPr lang="en-US" sz="1600" dirty="0" err="1">
+                <a:solidFill>
+                  <a:schemeClr val="lt1"/>
+                </a:solidFill>
+                <a:latin typeface="Arial"/>
+                <a:ea typeface="Arial"/>
+                <a:cs typeface="Arial"/>
+                <a:sym typeface="Arial"/>
+              </a:rPr>
+              <a:t>Tag이름을</a:t>
+            </a:r>
+            <a:r>
+              <a:rPr lang="en-US" sz="1600" dirty="0">
+                <a:solidFill>
+                  <a:schemeClr val="lt1"/>
+                </a:solidFill>
+                <a:latin typeface="Arial"/>
+                <a:ea typeface="Arial"/>
+                <a:cs typeface="Arial"/>
+                <a:sym typeface="Arial"/>
+              </a:rPr>
+              <a:t> </a:t>
+            </a:r>
+            <a:r>
+              <a:rPr lang="en-US" sz="1600" dirty="0" err="1">
+                <a:solidFill>
+                  <a:schemeClr val="lt1"/>
+                </a:solidFill>
+                <a:latin typeface="Arial"/>
+                <a:ea typeface="Arial"/>
+                <a:cs typeface="Arial"/>
+                <a:sym typeface="Arial"/>
+              </a:rPr>
+              <a:t>입력</a:t>
+            </a:r>
+            <a:r>
+              <a:rPr lang="en-US" sz="1600" dirty="0">
+                <a:solidFill>
+                  <a:schemeClr val="lt1"/>
+                </a:solidFill>
+                <a:latin typeface="Arial"/>
+                <a:ea typeface="Arial"/>
+                <a:cs typeface="Arial"/>
+                <a:sym typeface="Arial"/>
+              </a:rPr>
+              <a:t> (</a:t>
+            </a:r>
+            <a:r>
+              <a:rPr lang="en-US" sz="1600" dirty="0" err="1">
+                <a:solidFill>
+                  <a:schemeClr val="lt1"/>
+                </a:solidFill>
+                <a:latin typeface="Arial"/>
+                <a:ea typeface="Arial"/>
+                <a:cs typeface="Arial"/>
+                <a:sym typeface="Arial"/>
+              </a:rPr>
+              <a:t>WonBridge</a:t>
+            </a:r>
+            <a:r>
+              <a:rPr lang="en-US" sz="1600" dirty="0">
+                <a:solidFill>
+                  <a:schemeClr val="lt1"/>
+                </a:solidFill>
+                <a:latin typeface="Arial"/>
+                <a:ea typeface="Arial"/>
+                <a:cs typeface="Arial"/>
+                <a:sym typeface="Arial"/>
+              </a:rPr>
+              <a:t>)</a:t>
+            </a:r>
+            <a:endParaRPr dirty="0"/>
           </a:p>
           <a:p>
             <a:pPr marL="0" marR="0" lvl="0" indent="0" algn="l" rtl="0">
@@ -32883,7 +33135,7 @@
               </a:spcAft>
               <a:buNone/>
             </a:pPr>
-            <a:endParaRPr sz="1600">
+            <a:endParaRPr sz="1600" dirty="0">
               <a:solidFill>
                 <a:schemeClr val="lt1"/>
               </a:solidFill>
@@ -32904,7 +33156,7 @@
               <a:buNone/>
             </a:pPr>
             <a:r>
-              <a:rPr lang="en-US" sz="1600">
+              <a:rPr lang="en-US" sz="1600" dirty="0">
                 <a:solidFill>
                   <a:schemeClr val="lt1"/>
                 </a:solidFill>
@@ -32913,9 +33165,81 @@
                 <a:cs typeface="Arial"/>
                 <a:sym typeface="Arial"/>
               </a:rPr>
-              <a:t>   6) Configuration Security Group : 필요한 그릅을 추가한다(Inbound ports)              </a:t>
-            </a:r>
-            <a:endParaRPr/>
+              <a:t>   6) Configuration Security Group : </a:t>
+            </a:r>
+            <a:r>
+              <a:rPr lang="en-US" sz="1600" dirty="0" err="1">
+                <a:solidFill>
+                  <a:schemeClr val="lt1"/>
+                </a:solidFill>
+                <a:latin typeface="Arial"/>
+                <a:ea typeface="Arial"/>
+                <a:cs typeface="Arial"/>
+                <a:sym typeface="Arial"/>
+              </a:rPr>
+              <a:t>필요한</a:t>
+            </a:r>
+            <a:r>
+              <a:rPr lang="en-US" sz="1600" dirty="0">
+                <a:solidFill>
+                  <a:schemeClr val="lt1"/>
+                </a:solidFill>
+                <a:latin typeface="Arial"/>
+                <a:ea typeface="Arial"/>
+                <a:cs typeface="Arial"/>
+                <a:sym typeface="Arial"/>
+              </a:rPr>
+              <a:t> </a:t>
+            </a:r>
+            <a:r>
+              <a:rPr lang="en-US" sz="1600" dirty="0" err="1">
+                <a:solidFill>
+                  <a:schemeClr val="lt1"/>
+                </a:solidFill>
+                <a:latin typeface="Arial"/>
+                <a:ea typeface="Arial"/>
+                <a:cs typeface="Arial"/>
+                <a:sym typeface="Arial"/>
+              </a:rPr>
+              <a:t>그릅을</a:t>
+            </a:r>
+            <a:r>
+              <a:rPr lang="en-US" sz="1600" dirty="0">
+                <a:solidFill>
+                  <a:schemeClr val="lt1"/>
+                </a:solidFill>
+                <a:latin typeface="Arial"/>
+                <a:ea typeface="Arial"/>
+                <a:cs typeface="Arial"/>
+                <a:sym typeface="Arial"/>
+              </a:rPr>
+              <a:t> </a:t>
+            </a:r>
+            <a:r>
+              <a:rPr lang="en-US" sz="1600" dirty="0" err="1">
+                <a:solidFill>
+                  <a:schemeClr val="lt1"/>
+                </a:solidFill>
+                <a:latin typeface="Arial"/>
+                <a:ea typeface="Arial"/>
+                <a:cs typeface="Arial"/>
+                <a:sym typeface="Arial"/>
+              </a:rPr>
+              <a:t>추가한다</a:t>
+            </a:r>
+            <a:r>
+              <a:rPr lang="en-US" sz="1600" dirty="0">
+                <a:solidFill>
+                  <a:schemeClr val="lt1"/>
+                </a:solidFill>
+                <a:latin typeface="Arial"/>
+                <a:ea typeface="Arial"/>
+                <a:cs typeface="Arial"/>
+                <a:sym typeface="Arial"/>
+              </a:rPr>
+              <a:t>(Inbound ports)              </a:t>
+            </a:r>
+            <a:endParaRPr dirty="0"/>
           </a:p>
           <a:p>
             <a:pPr marL="0" marR="0" lvl="0" indent="0" algn="l" rtl="0">
@@ -32928,7 +33252,7 @@
               <a:buNone/>
             </a:pPr>
             <a:r>
-              <a:rPr lang="en-US" sz="1600">
+              <a:rPr lang="en-US" sz="1600" dirty="0">
                 <a:solidFill>
                   <a:schemeClr val="lt1"/>
                 </a:solidFill>
@@ -32939,7 +33263,7 @@
               </a:rPr>
               <a:t>              </a:t>
             </a:r>
-            <a:endParaRPr/>
+            <a:endParaRPr dirty="0"/>
           </a:p>
           <a:p>
             <a:pPr marL="0" marR="0" lvl="0" indent="0" algn="l" rtl="0">
@@ -32952,7 +33276,7 @@
               <a:buNone/>
             </a:pPr>
             <a:r>
-              <a:rPr lang="en-US" sz="1600">
+              <a:rPr lang="en-US" sz="1600" dirty="0">
                 <a:solidFill>
                   <a:schemeClr val="lt1"/>
                 </a:solidFill>
@@ -32963,7 +33287,7 @@
               </a:rPr>
               <a:t>              type                                  Protocol                            Port Range                       Source  </a:t>
             </a:r>
-            <a:endParaRPr sz="1600">
+            <a:endParaRPr sz="1600" dirty="0">
               <a:solidFill>
                 <a:schemeClr val="lt1"/>
               </a:solidFill>

--- a/ServerSetting.pptx
+++ b/ServerSetting.pptx
@@ -277,7 +277,7 @@
       </p15:sldGuideLst>
     </p:ext>
     <p:ext uri="http://customooxmlschemas.google.com/">
-      <go:slidesCustomData xmlns="" xmlns:mc="http://schemas.openxmlformats.org/markup-compatibility/2006" xmlns:mv="urn:schemas-microsoft-com:mac:vml" xmlns:c="http://schemas.openxmlformats.org/drawingml/2006/chart" xmlns:dgm="http://schemas.openxmlformats.org/drawingml/2006/diagram" xmlns:o="urn:schemas-microsoft-com:office:office" xmlns:v="urn:schemas-microsoft-com:vml" xmlns:pvml="urn:schemas-microsoft-com:office:powerpoint" xmlns:com="http://schemas.openxmlformats.org/drawingml/2006/compatibility" xmlns:p14="http://schemas.microsoft.com/office/powerpoint/2010/main" xmlns:p15="http://schemas.microsoft.com/office/powerpoint/2012/main" xmlns:go="http://customooxmlschemas.google.com/" r:id="rId28" roundtripDataSignature="AMtx7mi2BQB0Zr59ntUlFGUbO0bHBl9V8w=="/>
+      <go:slidesCustomData xmlns:go="http://customooxmlschemas.google.com/" xmlns:p15="http://schemas.microsoft.com/office/powerpoint/2012/main" xmlns:p14="http://schemas.microsoft.com/office/powerpoint/2010/main" xmlns:com="http://schemas.openxmlformats.org/drawingml/2006/compatibility" xmlns:pvml="urn:schemas-microsoft-com:office:powerpoint" xmlns:v="urn:schemas-microsoft-com:vml" xmlns:o="urn:schemas-microsoft-com:office:office" xmlns:dgm="http://schemas.openxmlformats.org/drawingml/2006/diagram" xmlns:c="http://schemas.openxmlformats.org/drawingml/2006/chart" xmlns:mv="urn:schemas-microsoft-com:mac:vml" xmlns:mc="http://schemas.openxmlformats.org/markup-compatibility/2006" xmlns="" r:id="rId28" roundtripDataSignature="AMtx7mi2BQB0Zr59ntUlFGUbO0bHBl9V8w=="/>
     </p:ext>
   </p:extLst>
 </p:presentation>
@@ -24219,7 +24219,7 @@
         <p:spPr>
           <a:xfrm>
             <a:off x="1568708" y="1380837"/>
-            <a:ext cx="10020365" cy="5447605"/>
+            <a:ext cx="10020365" cy="6093936"/>
           </a:xfrm>
           <a:prstGeom prst="rect">
             <a:avLst/>
@@ -25143,13 +25143,73 @@
             </a:endParaRPr>
           </a:p>
           <a:p>
+            <a:pPr marL="0" marR="0" lvl="0" indent="0" algn="l" rtl="0">
+              <a:spcBef>
+                <a:spcPts val="0"/>
+              </a:spcBef>
+              <a:spcAft>
+                <a:spcPts val="0"/>
+              </a:spcAft>
+              <a:buNone/>
+            </a:pPr>
+            <a:endParaRPr lang="en-US" dirty="0">
+              <a:solidFill>
+                <a:schemeClr val="lt1"/>
+              </a:solidFill>
+            </a:endParaRPr>
+          </a:p>
+          <a:p>
+            <a:pPr marL="0" marR="0" lvl="0" indent="0" algn="l" rtl="0">
+              <a:spcBef>
+                <a:spcPts val="0"/>
+              </a:spcBef>
+              <a:spcAft>
+                <a:spcPts val="0"/>
+              </a:spcAft>
+              <a:buNone/>
+            </a:pPr>
+            <a:r>
+              <a:rPr lang="en-US" dirty="0">
+                <a:solidFill>
+                  <a:schemeClr val="lt1"/>
+                </a:solidFill>
+                <a:latin typeface="Arial"/>
+                <a:ea typeface="Arial"/>
+                <a:cs typeface="Arial"/>
+                <a:sym typeface="Arial"/>
+              </a:rPr>
+              <a:t>In my experience don’t use </a:t>
+            </a:r>
+            <a:r>
+              <a:rPr lang="en-US">
+                <a:solidFill>
+                  <a:schemeClr val="lt1"/>
+                </a:solidFill>
+                <a:latin typeface="Arial"/>
+                <a:ea typeface="Arial"/>
+                <a:cs typeface="Arial"/>
+                <a:sym typeface="Arial"/>
+              </a:rPr>
+              <a:t>this command…</a:t>
+            </a:r>
+            <a:endParaRPr lang="en-US" dirty="0">
+              <a:solidFill>
+                <a:schemeClr val="lt1"/>
+              </a:solidFill>
+              <a:latin typeface="Arial"/>
+              <a:ea typeface="Arial"/>
+              <a:cs typeface="Arial"/>
+              <a:sym typeface="Arial"/>
+            </a:endParaRPr>
+          </a:p>
+          <a:p>
             <a:r>
               <a:rPr lang="en-GB" sz="1200" dirty="0">
                 <a:solidFill>
                   <a:schemeClr val="bg1"/>
                 </a:solidFill>
               </a:rPr>
-              <a:t>Important ===</a:t>
+              <a:t>*****Important ===</a:t>
             </a:r>
             <a:r>
               <a:rPr lang="en-GB" sz="1200" dirty="0">
@@ -35512,17 +35572,25 @@
             <a:endParaRPr dirty="0"/>
           </a:p>
           <a:p>
-            <a:pPr marL="457200" marR="0" lvl="1" indent="0" algn="l" rtl="0">
-              <a:spcBef>
-                <a:spcPts val="0"/>
-              </a:spcBef>
-              <a:spcAft>
-                <a:spcPts val="0"/>
-              </a:spcAft>
-              <a:buNone/>
-            </a:pPr>
-            <a:r>
-              <a:rPr lang="en-US" sz="1600" b="0" i="0" u="none" strike="noStrike" cap="none" dirty="0" err="1">
+            <a:pPr marL="457200" lvl="1"/>
+            <a:r>
+              <a:rPr lang="en-US" sz="1600" dirty="0" err="1">
+                <a:solidFill>
+                  <a:schemeClr val="lt1"/>
+                </a:solidFill>
+              </a:rPr>
+              <a:t>sudo</a:t>
+            </a:r>
+            <a:r>
+              <a:rPr lang="en-US" sz="1600" dirty="0">
+                <a:solidFill>
+                  <a:schemeClr val="lt1"/>
+                </a:solidFill>
+              </a:rPr>
+              <a:t> </a:t>
+            </a:r>
+            <a:r>
+              <a:rPr lang="en-US" sz="1600" b="0" i="0" u="none" strike="noStrike" cap="none" dirty="0">
                 <a:solidFill>
                   <a:schemeClr val="lt1"/>
                 </a:solidFill>
@@ -35531,19 +35599,7 @@
                 <a:cs typeface="Arial"/>
                 <a:sym typeface="Arial"/>
               </a:rPr>
-              <a:t>Sudo</a:t>
-            </a:r>
-            <a:r>
-              <a:rPr lang="en-US" sz="1600" b="0" i="0" u="none" strike="noStrike" cap="none" dirty="0">
-                <a:solidFill>
-                  <a:schemeClr val="lt1"/>
-                </a:solidFill>
-                <a:latin typeface="Arial"/>
-                <a:ea typeface="Arial"/>
-                <a:cs typeface="Arial"/>
-                <a:sym typeface="Arial"/>
-              </a:rPr>
-              <a:t> apt-get install php-curl</a:t>
+              <a:t>apt-get install php-curl</a:t>
             </a:r>
             <a:endParaRPr dirty="0"/>
           </a:p>
